--- a/Frameworks-PP4.pptx
+++ b/Frameworks-PP4.pptx
@@ -5,7 +5,7 @@
     <p:sldMasterId id="2147483648" r:id="rId1"/>
   </p:sldMasterIdLst>
   <p:notesMasterIdLst>
-    <p:notesMasterId r:id="rId36"/>
+    <p:notesMasterId r:id="rId38"/>
   </p:notesMasterIdLst>
   <p:sldIdLst>
     <p:sldId id="256" r:id="rId2"/>
@@ -39,9 +39,11 @@
     <p:sldId id="287" r:id="rId30"/>
     <p:sldId id="288" r:id="rId31"/>
     <p:sldId id="289" r:id="rId32"/>
-    <p:sldId id="259" r:id="rId33"/>
-    <p:sldId id="273" r:id="rId34"/>
-    <p:sldId id="281" r:id="rId35"/>
+    <p:sldId id="291" r:id="rId33"/>
+    <p:sldId id="290" r:id="rId34"/>
+    <p:sldId id="259" r:id="rId35"/>
+    <p:sldId id="273" r:id="rId36"/>
+    <p:sldId id="281" r:id="rId37"/>
   </p:sldIdLst>
   <p:sldSz cx="12192000" cy="6858000"/>
   <p:notesSz cx="6858000" cy="9144000"/>
@@ -230,7 +232,7 @@
           <a:p>
             <a:fld id="{48299AA5-9268-C244-B8A7-586EBD5C9972}" type="datetimeFigureOut">
               <a:rPr lang="es-ES_tradnl" smtClean="0"/>
-              <a:t>19/8/17</a:t>
+              <a:t>26/8/17</a:t>
             </a:fld>
             <a:endParaRPr lang="es-ES_tradnl"/>
           </a:p>
@@ -629,7 +631,7 @@
           <a:p>
             <a:fld id="{79791304-4B76-4E44-8F21-344FDC3602AE}" type="datetimeFigureOut">
               <a:rPr lang="es-ES_tradnl" smtClean="0"/>
-              <a:t>19/8/17</a:t>
+              <a:t>26/8/17</a:t>
             </a:fld>
             <a:endParaRPr lang="es-ES_tradnl"/>
           </a:p>
@@ -799,7 +801,7 @@
           <a:p>
             <a:fld id="{79791304-4B76-4E44-8F21-344FDC3602AE}" type="datetimeFigureOut">
               <a:rPr lang="es-ES_tradnl" smtClean="0"/>
-              <a:t>19/8/17</a:t>
+              <a:t>26/8/17</a:t>
             </a:fld>
             <a:endParaRPr lang="es-ES_tradnl"/>
           </a:p>
@@ -979,7 +981,7 @@
           <a:p>
             <a:fld id="{79791304-4B76-4E44-8F21-344FDC3602AE}" type="datetimeFigureOut">
               <a:rPr lang="es-ES_tradnl" smtClean="0"/>
-              <a:t>19/8/17</a:t>
+              <a:t>26/8/17</a:t>
             </a:fld>
             <a:endParaRPr lang="es-ES_tradnl"/>
           </a:p>
@@ -1149,7 +1151,7 @@
           <a:p>
             <a:fld id="{79791304-4B76-4E44-8F21-344FDC3602AE}" type="datetimeFigureOut">
               <a:rPr lang="es-ES_tradnl" smtClean="0"/>
-              <a:t>19/8/17</a:t>
+              <a:t>26/8/17</a:t>
             </a:fld>
             <a:endParaRPr lang="es-ES_tradnl"/>
           </a:p>
@@ -1395,7 +1397,7 @@
           <a:p>
             <a:fld id="{79791304-4B76-4E44-8F21-344FDC3602AE}" type="datetimeFigureOut">
               <a:rPr lang="es-ES_tradnl" smtClean="0"/>
-              <a:t>19/8/17</a:t>
+              <a:t>26/8/17</a:t>
             </a:fld>
             <a:endParaRPr lang="es-ES_tradnl"/>
           </a:p>
@@ -1627,7 +1629,7 @@
           <a:p>
             <a:fld id="{79791304-4B76-4E44-8F21-344FDC3602AE}" type="datetimeFigureOut">
               <a:rPr lang="es-ES_tradnl" smtClean="0"/>
-              <a:t>19/8/17</a:t>
+              <a:t>26/8/17</a:t>
             </a:fld>
             <a:endParaRPr lang="es-ES_tradnl"/>
           </a:p>
@@ -1994,7 +1996,7 @@
           <a:p>
             <a:fld id="{79791304-4B76-4E44-8F21-344FDC3602AE}" type="datetimeFigureOut">
               <a:rPr lang="es-ES_tradnl" smtClean="0"/>
-              <a:t>19/8/17</a:t>
+              <a:t>26/8/17</a:t>
             </a:fld>
             <a:endParaRPr lang="es-ES_tradnl"/>
           </a:p>
@@ -2112,7 +2114,7 @@
           <a:p>
             <a:fld id="{79791304-4B76-4E44-8F21-344FDC3602AE}" type="datetimeFigureOut">
               <a:rPr lang="es-ES_tradnl" smtClean="0"/>
-              <a:t>19/8/17</a:t>
+              <a:t>26/8/17</a:t>
             </a:fld>
             <a:endParaRPr lang="es-ES_tradnl"/>
           </a:p>
@@ -2207,7 +2209,7 @@
           <a:p>
             <a:fld id="{79791304-4B76-4E44-8F21-344FDC3602AE}" type="datetimeFigureOut">
               <a:rPr lang="es-ES_tradnl" smtClean="0"/>
-              <a:t>19/8/17</a:t>
+              <a:t>26/8/17</a:t>
             </a:fld>
             <a:endParaRPr lang="es-ES_tradnl"/>
           </a:p>
@@ -2484,7 +2486,7 @@
           <a:p>
             <a:fld id="{79791304-4B76-4E44-8F21-344FDC3602AE}" type="datetimeFigureOut">
               <a:rPr lang="es-ES_tradnl" smtClean="0"/>
-              <a:t>19/8/17</a:t>
+              <a:t>26/8/17</a:t>
             </a:fld>
             <a:endParaRPr lang="es-ES_tradnl"/>
           </a:p>
@@ -2737,7 +2739,7 @@
           <a:p>
             <a:fld id="{79791304-4B76-4E44-8F21-344FDC3602AE}" type="datetimeFigureOut">
               <a:rPr lang="es-ES_tradnl" smtClean="0"/>
-              <a:t>19/8/17</a:t>
+              <a:t>26/8/17</a:t>
             </a:fld>
             <a:endParaRPr lang="es-ES_tradnl"/>
           </a:p>
@@ -2950,7 +2952,7 @@
           <a:p>
             <a:fld id="{79791304-4B76-4E44-8F21-344FDC3602AE}" type="datetimeFigureOut">
               <a:rPr lang="es-ES_tradnl" smtClean="0"/>
-              <a:t>19/8/17</a:t>
+              <a:t>26/8/17</a:t>
             </a:fld>
             <a:endParaRPr lang="es-ES_tradnl"/>
           </a:p>
@@ -6193,7 +6195,11 @@
           <a:bodyPr/>
           <a:lstStyle/>
           <a:p>
-            <a:endParaRPr lang="es-ES_tradnl"/>
+            <a:r>
+              <a:rPr lang="es-ES_tradnl" dirty="0" smtClean="0"/>
+              <a:t>CRITERIA</a:t>
+            </a:r>
+            <a:endParaRPr lang="es-ES_tradnl" dirty="0"/>
           </a:p>
         </p:txBody>
       </p:sp>
@@ -6212,7 +6218,25 @@
           <a:bodyPr/>
           <a:lstStyle/>
           <a:p>
-            <a:endParaRPr lang="es-ES_tradnl"/>
+            <a:r>
+              <a:rPr lang="es-ES_tradnl" dirty="0" smtClean="0"/>
+              <a:t>Alternativa segura para realizar consultas en </a:t>
+            </a:r>
+            <a:r>
+              <a:rPr lang="es-ES_tradnl" dirty="0" err="1" smtClean="0"/>
+              <a:t>Hibernate</a:t>
+            </a:r>
+            <a:r>
+              <a:rPr lang="es-ES_tradnl" dirty="0" smtClean="0"/>
+              <a:t> sin uso de HQL</a:t>
+            </a:r>
+          </a:p>
+          <a:p>
+            <a:r>
+              <a:rPr lang="es-ES_tradnl" dirty="0" smtClean="0"/>
+              <a:t>Es una forma para representar consultas a la base de datos por medio de clases e interfaces.</a:t>
+            </a:r>
+            <a:endParaRPr lang="es-ES_tradnl" dirty="0"/>
           </a:p>
         </p:txBody>
       </p:sp>
@@ -6261,6 +6285,142 @@
           <a:bodyPr/>
           <a:lstStyle/>
           <a:p>
+            <a:endParaRPr lang="es-ES_tradnl"/>
+          </a:p>
+        </p:txBody>
+      </p:sp>
+      <p:sp>
+        <p:nvSpPr>
+          <p:cNvPr id="3" name="Marcador de texto 2"/>
+          <p:cNvSpPr>
+            <a:spLocks noGrp="1"/>
+          </p:cNvSpPr>
+          <p:nvPr>
+            <p:ph type="body" idx="1"/>
+          </p:nvPr>
+        </p:nvSpPr>
+        <p:spPr/>
+        <p:txBody>
+          <a:bodyPr/>
+          <a:lstStyle/>
+          <a:p>
+            <a:endParaRPr lang="es-ES_tradnl"/>
+          </a:p>
+        </p:txBody>
+      </p:sp>
+    </p:spTree>
+    <p:extLst>
+      <p:ext uri="{BB962C8B-B14F-4D97-AF65-F5344CB8AC3E}">
+        <p14:creationId xmlns:p14="http://schemas.microsoft.com/office/powerpoint/2010/main" val="2000734334"/>
+      </p:ext>
+    </p:extLst>
+  </p:cSld>
+  <p:clrMapOvr>
+    <a:masterClrMapping/>
+  </p:clrMapOvr>
+</p:sld>
+</file>
+
+<file path=ppt/slides/slide33.xml><?xml version="1.0" encoding="utf-8"?>
+<p:sld xmlns:a="http://schemas.openxmlformats.org/drawingml/2006/main" xmlns:r="http://schemas.openxmlformats.org/officeDocument/2006/relationships" xmlns:p="http://schemas.openxmlformats.org/presentationml/2006/main">
+  <p:cSld>
+    <p:spTree>
+      <p:nvGrpSpPr>
+        <p:cNvPr id="1" name=""/>
+        <p:cNvGrpSpPr/>
+        <p:nvPr/>
+      </p:nvGrpSpPr>
+      <p:grpSpPr>
+        <a:xfrm>
+          <a:off x="0" y="0"/>
+          <a:ext cx="0" cy="0"/>
+          <a:chOff x="0" y="0"/>
+          <a:chExt cx="0" cy="0"/>
+        </a:xfrm>
+      </p:grpSpPr>
+      <p:sp>
+        <p:nvSpPr>
+          <p:cNvPr id="2" name="Título 1"/>
+          <p:cNvSpPr>
+            <a:spLocks noGrp="1"/>
+          </p:cNvSpPr>
+          <p:nvPr>
+            <p:ph type="title"/>
+          </p:nvPr>
+        </p:nvSpPr>
+        <p:spPr/>
+        <p:txBody>
+          <a:bodyPr/>
+          <a:lstStyle/>
+          <a:p>
+            <a:endParaRPr lang="es-ES_tradnl"/>
+          </a:p>
+        </p:txBody>
+      </p:sp>
+      <p:sp>
+        <p:nvSpPr>
+          <p:cNvPr id="3" name="Marcador de texto 2"/>
+          <p:cNvSpPr>
+            <a:spLocks noGrp="1"/>
+          </p:cNvSpPr>
+          <p:nvPr>
+            <p:ph type="body" idx="1"/>
+          </p:nvPr>
+        </p:nvSpPr>
+        <p:spPr/>
+        <p:txBody>
+          <a:bodyPr/>
+          <a:lstStyle/>
+          <a:p>
+            <a:endParaRPr lang="es-ES_tradnl" dirty="0"/>
+          </a:p>
+        </p:txBody>
+      </p:sp>
+    </p:spTree>
+    <p:extLst>
+      <p:ext uri="{BB962C8B-B14F-4D97-AF65-F5344CB8AC3E}">
+        <p14:creationId xmlns:p14="http://schemas.microsoft.com/office/powerpoint/2010/main" val="1395523979"/>
+      </p:ext>
+    </p:extLst>
+  </p:cSld>
+  <p:clrMapOvr>
+    <a:masterClrMapping/>
+  </p:clrMapOvr>
+</p:sld>
+</file>
+
+<file path=ppt/slides/slide34.xml><?xml version="1.0" encoding="utf-8"?>
+<p:sld xmlns:a="http://schemas.openxmlformats.org/drawingml/2006/main" xmlns:r="http://schemas.openxmlformats.org/officeDocument/2006/relationships" xmlns:p="http://schemas.openxmlformats.org/presentationml/2006/main">
+  <p:cSld>
+    <p:spTree>
+      <p:nvGrpSpPr>
+        <p:cNvPr id="1" name=""/>
+        <p:cNvGrpSpPr/>
+        <p:nvPr/>
+      </p:nvGrpSpPr>
+      <p:grpSpPr>
+        <a:xfrm>
+          <a:off x="0" y="0"/>
+          <a:ext cx="0" cy="0"/>
+          <a:chOff x="0" y="0"/>
+          <a:chExt cx="0" cy="0"/>
+        </a:xfrm>
+      </p:grpSpPr>
+      <p:sp>
+        <p:nvSpPr>
+          <p:cNvPr id="2" name="Título 1"/>
+          <p:cNvSpPr>
+            <a:spLocks noGrp="1"/>
+          </p:cNvSpPr>
+          <p:nvPr>
+            <p:ph type="title"/>
+          </p:nvPr>
+        </p:nvSpPr>
+        <p:spPr/>
+        <p:txBody>
+          <a:bodyPr/>
+          <a:lstStyle/>
+          <a:p>
             <a:r>
               <a:rPr lang="es-ES_tradnl" dirty="0" smtClean="0"/>
               <a:t>Anexo</a:t>
@@ -6502,7 +6662,7 @@
 </p:sld>
 </file>
 
-<file path=ppt/slides/slide33.xml><?xml version="1.0" encoding="utf-8"?>
+<file path=ppt/slides/slide35.xml><?xml version="1.0" encoding="utf-8"?>
 <p:sld xmlns:a="http://schemas.openxmlformats.org/drawingml/2006/main" xmlns:r="http://schemas.openxmlformats.org/officeDocument/2006/relationships" xmlns:p="http://schemas.openxmlformats.org/presentationml/2006/main">
   <p:cSld>
     <p:spTree>
@@ -6662,7 +6822,7 @@
 </p:sld>
 </file>
 
-<file path=ppt/slides/slide34.xml><?xml version="1.0" encoding="utf-8"?>
+<file path=ppt/slides/slide36.xml><?xml version="1.0" encoding="utf-8"?>
 <p:sld xmlns:a="http://schemas.openxmlformats.org/drawingml/2006/main" xmlns:r="http://schemas.openxmlformats.org/officeDocument/2006/relationships" xmlns:p="http://schemas.openxmlformats.org/presentationml/2006/main">
   <p:cSld>
     <p:spTree>
